--- a/Slides/Lesson1.1.pptx
+++ b/Slides/Lesson1.1.pptx
@@ -116,6 +116,11 @@
       </a:defRPr>
     </a:lvl9pPr>
   </p:defaultTextStyle>
+  <p:extLst>
+    <p:ext uri="{EFAFB233-063F-42B5-8137-9DF3F51BA10A}">
+      <p15:sldGuideLst xmlns:p15="http://schemas.microsoft.com/office/powerpoint/2012/main"/>
+    </p:ext>
+  </p:extLst>
 </p:presentation>
 </file>
 
@@ -864,7 +869,7 @@
           <a:p>
             <a:fld id="{07DC94E9-FEA0-4BA2-A547-138AB758E65D}" type="datetimeFigureOut">
               <a:rPr lang="en-US" smtClean="0"/>
-              <a:t>3/25/2019</a:t>
+              <a:t>4/17/2019</a:t>
             </a:fld>
             <a:endParaRPr lang="en-US"/>
           </a:p>
@@ -1115,7 +1120,7 @@
           <a:p>
             <a:fld id="{07DC94E9-FEA0-4BA2-A547-138AB758E65D}" type="datetimeFigureOut">
               <a:rPr lang="en-US" smtClean="0"/>
-              <a:t>3/25/2019</a:t>
+              <a:t>4/17/2019</a:t>
             </a:fld>
             <a:endParaRPr lang="en-US"/>
           </a:p>
@@ -1429,7 +1434,7 @@
           <a:p>
             <a:fld id="{07DC94E9-FEA0-4BA2-A547-138AB758E65D}" type="datetimeFigureOut">
               <a:rPr lang="en-US" smtClean="0"/>
-              <a:t>3/25/2019</a:t>
+              <a:t>4/17/2019</a:t>
             </a:fld>
             <a:endParaRPr lang="en-US"/>
           </a:p>
@@ -1762,7 +1767,7 @@
           <a:p>
             <a:fld id="{07DC94E9-FEA0-4BA2-A547-138AB758E65D}" type="datetimeFigureOut">
               <a:rPr lang="en-US" smtClean="0"/>
-              <a:t>3/25/2019</a:t>
+              <a:t>4/17/2019</a:t>
             </a:fld>
             <a:endParaRPr lang="en-US"/>
           </a:p>
@@ -2076,7 +2081,7 @@
           <a:p>
             <a:fld id="{07DC94E9-FEA0-4BA2-A547-138AB758E65D}" type="datetimeFigureOut">
               <a:rPr lang="en-US" smtClean="0"/>
-              <a:t>3/25/2019</a:t>
+              <a:t>4/17/2019</a:t>
             </a:fld>
             <a:endParaRPr lang="en-US"/>
           </a:p>
@@ -2469,7 +2474,7 @@
           <a:p>
             <a:fld id="{07DC94E9-FEA0-4BA2-A547-138AB758E65D}" type="datetimeFigureOut">
               <a:rPr lang="en-US" smtClean="0"/>
-              <a:t>3/25/2019</a:t>
+              <a:t>4/17/2019</a:t>
             </a:fld>
             <a:endParaRPr lang="en-US"/>
           </a:p>
@@ -2639,7 +2644,7 @@
           <a:p>
             <a:fld id="{07DC94E9-FEA0-4BA2-A547-138AB758E65D}" type="datetimeFigureOut">
               <a:rPr lang="en-US" smtClean="0"/>
-              <a:t>3/25/2019</a:t>
+              <a:t>4/17/2019</a:t>
             </a:fld>
             <a:endParaRPr lang="en-US"/>
           </a:p>
@@ -2819,7 +2824,7 @@
           <a:p>
             <a:fld id="{07DC94E9-FEA0-4BA2-A547-138AB758E65D}" type="datetimeFigureOut">
               <a:rPr lang="en-US" smtClean="0"/>
-              <a:t>3/25/2019</a:t>
+              <a:t>4/17/2019</a:t>
             </a:fld>
             <a:endParaRPr lang="en-US"/>
           </a:p>
@@ -2989,7 +2994,7 @@
           <a:p>
             <a:fld id="{07DC94E9-FEA0-4BA2-A547-138AB758E65D}" type="datetimeFigureOut">
               <a:rPr lang="en-US" smtClean="0"/>
-              <a:t>3/25/2019</a:t>
+              <a:t>4/17/2019</a:t>
             </a:fld>
             <a:endParaRPr lang="en-US"/>
           </a:p>
@@ -3236,7 +3241,7 @@
           <a:p>
             <a:fld id="{07DC94E9-FEA0-4BA2-A547-138AB758E65D}" type="datetimeFigureOut">
               <a:rPr lang="en-US" smtClean="0"/>
-              <a:t>3/25/2019</a:t>
+              <a:t>4/17/2019</a:t>
             </a:fld>
             <a:endParaRPr lang="en-US"/>
           </a:p>
@@ -3468,7 +3473,7 @@
           <a:p>
             <a:fld id="{07DC94E9-FEA0-4BA2-A547-138AB758E65D}" type="datetimeFigureOut">
               <a:rPr lang="en-US" smtClean="0"/>
-              <a:t>3/25/2019</a:t>
+              <a:t>4/17/2019</a:t>
             </a:fld>
             <a:endParaRPr lang="en-US"/>
           </a:p>
@@ -3842,7 +3847,7 @@
           <a:p>
             <a:fld id="{07DC94E9-FEA0-4BA2-A547-138AB758E65D}" type="datetimeFigureOut">
               <a:rPr lang="en-US" smtClean="0"/>
-              <a:t>3/25/2019</a:t>
+              <a:t>4/17/2019</a:t>
             </a:fld>
             <a:endParaRPr lang="en-US"/>
           </a:p>
@@ -3965,7 +3970,7 @@
           <a:p>
             <a:fld id="{07DC94E9-FEA0-4BA2-A547-138AB758E65D}" type="datetimeFigureOut">
               <a:rPr lang="en-US" smtClean="0"/>
-              <a:t>3/25/2019</a:t>
+              <a:t>4/17/2019</a:t>
             </a:fld>
             <a:endParaRPr lang="en-US"/>
           </a:p>
@@ -4060,7 +4065,7 @@
           <a:p>
             <a:fld id="{07DC94E9-FEA0-4BA2-A547-138AB758E65D}" type="datetimeFigureOut">
               <a:rPr lang="en-US" smtClean="0"/>
-              <a:t>3/25/2019</a:t>
+              <a:t>4/17/2019</a:t>
             </a:fld>
             <a:endParaRPr lang="en-US"/>
           </a:p>
@@ -4315,7 +4320,7 @@
           <a:p>
             <a:fld id="{07DC94E9-FEA0-4BA2-A547-138AB758E65D}" type="datetimeFigureOut">
               <a:rPr lang="en-US" smtClean="0"/>
-              <a:t>3/25/2019</a:t>
+              <a:t>4/17/2019</a:t>
             </a:fld>
             <a:endParaRPr lang="en-US"/>
           </a:p>
@@ -4620,7 +4625,7 @@
           <a:p>
             <a:fld id="{07DC94E9-FEA0-4BA2-A547-138AB758E65D}" type="datetimeFigureOut">
               <a:rPr lang="en-US" smtClean="0"/>
-              <a:t>3/25/2019</a:t>
+              <a:t>4/17/2019</a:t>
             </a:fld>
             <a:endParaRPr lang="en-US"/>
           </a:p>
@@ -5322,7 +5327,7 @@
           <a:p>
             <a:fld id="{07DC94E9-FEA0-4BA2-A547-138AB758E65D}" type="datetimeFigureOut">
               <a:rPr lang="en-US" smtClean="0"/>
-              <a:t>3/25/2019</a:t>
+              <a:t>4/17/2019</a:t>
             </a:fld>
             <a:endParaRPr lang="en-US"/>
           </a:p>
@@ -8195,7 +8200,7 @@
               </a:lnSpc>
             </a:pPr>
             <a:r>
-              <a:rPr lang="en-US" sz="1400"/>
+              <a:rPr lang="en-US" sz="1400" dirty="0"/>
               <a:t>Java is a high order C-like programming language that we will be coding in.</a:t>
             </a:r>
           </a:p>
@@ -8206,15 +8211,15 @@
               </a:lnSpc>
             </a:pPr>
             <a:r>
-              <a:rPr lang="en-US" sz="1400"/>
+              <a:rPr lang="en-US" sz="1400" dirty="0"/>
               <a:t>Java is special because instead of compiling for the CPU directly, it compiles to a special type of binary code known as </a:t>
             </a:r>
             <a:r>
-              <a:rPr lang="en-US" sz="1400" b="1" u="sng"/>
+              <a:rPr lang="en-US" sz="1400" b="1" u="sng" dirty="0"/>
               <a:t>Byte Code</a:t>
             </a:r>
             <a:r>
-              <a:rPr lang="en-US" sz="1400"/>
+              <a:rPr lang="en-US" sz="1400" dirty="0"/>
               <a:t>.</a:t>
             </a:r>
           </a:p>
@@ -8225,15 +8230,15 @@
               </a:lnSpc>
             </a:pPr>
             <a:r>
-              <a:rPr lang="en-US" sz="1400"/>
-              <a:t>This byte code is then interpreted by a program on the end users machine called the </a:t>
-            </a:r>
-            <a:r>
-              <a:rPr lang="en-US" sz="1400" b="1" u="sng"/>
+              <a:rPr lang="en-US" sz="1400" dirty="0"/>
+              <a:t>This byte code is then interpreted by a program on the end user’s machine called the </a:t>
+            </a:r>
+            <a:r>
+              <a:rPr lang="en-US" sz="1400" b="1" u="sng" dirty="0"/>
               <a:t>Java Virtual Machine</a:t>
             </a:r>
             <a:r>
-              <a:rPr lang="en-US" sz="1400"/>
+              <a:rPr lang="en-US" sz="1400" dirty="0"/>
               <a:t> (JVM). </a:t>
             </a:r>
           </a:p>
@@ -8244,7 +8249,7 @@
               </a:lnSpc>
             </a:pPr>
             <a:r>
-              <a:rPr lang="en-US" sz="1400"/>
+              <a:rPr lang="en-US" sz="1400" dirty="0"/>
               <a:t>The reason for this is so that the developer can distribute only one version of their program to work on all sorts of devices. All the end user must do is install the JVM.</a:t>
             </a:r>
           </a:p>
@@ -8255,7 +8260,7 @@
               </a:lnSpc>
             </a:pPr>
             <a:r>
-              <a:rPr lang="en-US" sz="1400"/>
+              <a:rPr lang="en-US" sz="1400" dirty="0"/>
               <a:t>Note: Java source code files have extension .java, and compiled files have extension .class.</a:t>
             </a:r>
           </a:p>
@@ -8722,7 +8727,15 @@
           <a:p>
             <a:r>
               <a:rPr lang="en-US" dirty="0"/>
-              <a:t>However, there are special text editors for programmers called Integrated Development Environments (IDE’s). They are helpful for many reasons including integrated consoles and “run buttons”, syntax highlighting, code completion, error detection, error warnings, and so on.</a:t>
+              <a:t>However, there are special text editors for programmers called Integrated Development Environments (IDE’s). They are helpful for many reasons including </a:t>
+            </a:r>
+            <a:r>
+              <a:rPr lang="en-US"/>
+              <a:t>integrated consoles, “</a:t>
+            </a:r>
+            <a:r>
+              <a:rPr lang="en-US" dirty="0"/>
+              <a:t>run buttons”, syntax highlighting, code completion, error detection, error warnings, and so on.</a:t>
             </a:r>
           </a:p>
           <a:p>
